--- a/projeto-interdisciplinar-2-semestre/Documentacao/Apresentação Drebec.pptx
+++ b/projeto-interdisciplinar-2-semestre/Documentacao/Apresentação Drebec.pptx
@@ -144,12 +144,67 @@
   <p1510:revLst>
     <p1510:client id="{53A9267C-87B6-BBC1-5F00-4B4B58CEDE60}" v="322" dt="2024-06-13T00:05:07.596"/>
     <p1510:client id="{A13BBC8F-68AA-4AF6-8721-93ED03D96DB6}" v="28" dt="2024-06-13T00:02:56.038"/>
+    <p1510:client id="{D724570B-3EF5-BD9D-35E5-1AC704F7F38C}" v="19" dt="2024-06-13T00:09:01.191"/>
   </p1510:revLst>
 </p1510:revInfo>
 </file>
 
 <file path=ppt/changesInfos/changesInfo1.xml><?xml version="1.0" encoding="utf-8"?>
 <pc:chgInfo xmlns:a="http://schemas.openxmlformats.org/drawingml/2006/main" xmlns:r="http://schemas.openxmlformats.org/officeDocument/2006/relationships" xmlns:ac="http://schemas.microsoft.com/office/drawing/2013/main/command" xmlns:pc="http://schemas.microsoft.com/office/powerpoint/2013/main/command">
+  <pc:docChgLst>
+    <pc:chgData name="LUIZ FERNANDO RINALDI RIATO" userId="S::luiz.riato@fatec.sp.gov.br::ad509dbf-8c20-40df-b235-95ff0a9d622d" providerId="AD" clId="Web-{D724570B-3EF5-BD9D-35E5-1AC704F7F38C}"/>
+    <pc:docChg chg="modSld">
+      <pc:chgData name="LUIZ FERNANDO RINALDI RIATO" userId="S::luiz.riato@fatec.sp.gov.br::ad509dbf-8c20-40df-b235-95ff0a9d622d" providerId="AD" clId="Web-{D724570B-3EF5-BD9D-35E5-1AC704F7F38C}" dt="2024-06-13T00:09:01.175" v="16" actId="20577"/>
+      <pc:docMkLst>
+        <pc:docMk/>
+      </pc:docMkLst>
+      <pc:sldChg chg="modSp">
+        <pc:chgData name="LUIZ FERNANDO RINALDI RIATO" userId="S::luiz.riato@fatec.sp.gov.br::ad509dbf-8c20-40df-b235-95ff0a9d622d" providerId="AD" clId="Web-{D724570B-3EF5-BD9D-35E5-1AC704F7F38C}" dt="2024-06-13T00:07:25.079" v="9" actId="20577"/>
+        <pc:sldMkLst>
+          <pc:docMk/>
+          <pc:sldMk cId="426052995" sldId="261"/>
+        </pc:sldMkLst>
+        <pc:spChg chg="mod">
+          <ac:chgData name="LUIZ FERNANDO RINALDI RIATO" userId="S::luiz.riato@fatec.sp.gov.br::ad509dbf-8c20-40df-b235-95ff0a9d622d" providerId="AD" clId="Web-{D724570B-3EF5-BD9D-35E5-1AC704F7F38C}" dt="2024-06-13T00:07:25.079" v="9" actId="20577"/>
+          <ac:spMkLst>
+            <pc:docMk/>
+            <pc:sldMk cId="426052995" sldId="261"/>
+            <ac:spMk id="3" creationId="{3B3D1F18-5802-6F50-A0CF-C8E831C7645D}"/>
+          </ac:spMkLst>
+        </pc:spChg>
+      </pc:sldChg>
+      <pc:sldChg chg="modSp">
+        <pc:chgData name="LUIZ FERNANDO RINALDI RIATO" userId="S::luiz.riato@fatec.sp.gov.br::ad509dbf-8c20-40df-b235-95ff0a9d622d" providerId="AD" clId="Web-{D724570B-3EF5-BD9D-35E5-1AC704F7F38C}" dt="2024-06-13T00:08:06.095" v="13" actId="20577"/>
+        <pc:sldMkLst>
+          <pc:docMk/>
+          <pc:sldMk cId="915447808" sldId="279"/>
+        </pc:sldMkLst>
+        <pc:spChg chg="mod">
+          <ac:chgData name="LUIZ FERNANDO RINALDI RIATO" userId="S::luiz.riato@fatec.sp.gov.br::ad509dbf-8c20-40df-b235-95ff0a9d622d" providerId="AD" clId="Web-{D724570B-3EF5-BD9D-35E5-1AC704F7F38C}" dt="2024-06-13T00:08:06.095" v="13" actId="20577"/>
+          <ac:spMkLst>
+            <pc:docMk/>
+            <pc:sldMk cId="915447808" sldId="279"/>
+            <ac:spMk id="4" creationId="{9F7284FF-A790-807E-BDE4-1FF6CBA4F7CE}"/>
+          </ac:spMkLst>
+        </pc:spChg>
+      </pc:sldChg>
+      <pc:sldChg chg="modSp">
+        <pc:chgData name="LUIZ FERNANDO RINALDI RIATO" userId="S::luiz.riato@fatec.sp.gov.br::ad509dbf-8c20-40df-b235-95ff0a9d622d" providerId="AD" clId="Web-{D724570B-3EF5-BD9D-35E5-1AC704F7F38C}" dt="2024-06-13T00:09:01.175" v="16" actId="20577"/>
+        <pc:sldMkLst>
+          <pc:docMk/>
+          <pc:sldMk cId="2220474403" sldId="280"/>
+        </pc:sldMkLst>
+        <pc:spChg chg="mod">
+          <ac:chgData name="LUIZ FERNANDO RINALDI RIATO" userId="S::luiz.riato@fatec.sp.gov.br::ad509dbf-8c20-40df-b235-95ff0a9d622d" providerId="AD" clId="Web-{D724570B-3EF5-BD9D-35E5-1AC704F7F38C}" dt="2024-06-13T00:09:01.175" v="16" actId="20577"/>
+          <ac:spMkLst>
+            <pc:docMk/>
+            <pc:sldMk cId="2220474403" sldId="280"/>
+            <ac:spMk id="7" creationId="{1880A4C6-B718-92F4-E136-82DD7B8381CF}"/>
+          </ac:spMkLst>
+        </pc:spChg>
+      </pc:sldChg>
+    </pc:docChg>
+  </pc:docChgLst>
   <pc:docChgLst>
     <pc:chgData name="LUIZ FERNANDO RINALDI RIATO" userId="S::luiz.riato@fatec.sp.gov.br::ad509dbf-8c20-40df-b235-95ff0a9d622d" providerId="AD" clId="Web-{53A9267C-87B6-BBC1-5F00-4B4B58CEDE60}"/>
     <pc:docChg chg="modSld">
@@ -396,7 +451,7 @@
             <a:fld id="{D415F320-5C10-46D6-873B-718ABBD496FB}" type="slidenum">
               <a:rPr lang="pt-BR" smtClean="0"/>
               <a:pPr/>
-              <a:t>‹#›</a:t>
+              <a:t>‹nº›</a:t>
             </a:fld>
             <a:endParaRPr lang="pt-BR"/>
           </a:p>
@@ -656,7 +711,7 @@
           <a:p>
             <a:fld id="{2C4C0321-2850-406B-9A3A-E9216A276E73}" type="slidenum">
               <a:rPr lang="pt-BR" smtClean="0"/>
-              <a:t>‹#›</a:t>
+              <a:t>‹nº›</a:t>
             </a:fld>
             <a:endParaRPr lang="pt-BR"/>
           </a:p>
@@ -966,7 +1021,7 @@
             <a:fld id="{4F4A9C17-C46A-4EA9-988B-65082669AAE1}" type="slidenum">
               <a:rPr lang="pt-BR" smtClean="0"/>
               <a:pPr/>
-              <a:t>‹#›</a:t>
+              <a:t>‹nº›</a:t>
             </a:fld>
             <a:endParaRPr lang="pt-BR"/>
           </a:p>
@@ -1277,7 +1332,7 @@
             <a:fld id="{4F4A9C17-C46A-4EA9-988B-65082669AAE1}" type="slidenum">
               <a:rPr lang="pt-BR" smtClean="0"/>
               <a:pPr/>
-              <a:t>‹#›</a:t>
+              <a:t>‹nº›</a:t>
             </a:fld>
             <a:endParaRPr lang="pt-BR"/>
           </a:p>
@@ -2256,7 +2311,7 @@
             <a:fld id="{4F4A9C17-C46A-4EA9-988B-65082669AAE1}" type="slidenum">
               <a:rPr lang="pt-BR" smtClean="0"/>
               <a:pPr/>
-              <a:t>‹#›</a:t>
+              <a:t>‹nº›</a:t>
             </a:fld>
             <a:endParaRPr lang="pt-BR"/>
           </a:p>
@@ -3159,42 +3214,42 @@
               </a:defRPr>
             </a:pPr>
             <a:r>
-              <a:rPr lang="en-US" sz="2400">
+              <a:rPr lang="en-US" sz="2400" dirty="0">
                 <a:latin typeface="Arial"/>
                 <a:cs typeface="Arial"/>
               </a:rPr>
               <a:t>O </a:t>
             </a:r>
             <a:r>
-              <a:rPr lang="en-US" sz="2400" err="1">
+              <a:rPr lang="en-US" sz="2400" dirty="0" err="1">
                 <a:latin typeface="Arial"/>
                 <a:cs typeface="Arial"/>
               </a:rPr>
               <a:t>projeto</a:t>
             </a:r>
             <a:r>
-              <a:rPr lang="en-US" sz="2400">
+              <a:rPr lang="en-US" sz="2400" dirty="0">
                 <a:latin typeface="Arial"/>
                 <a:cs typeface="Arial"/>
               </a:rPr>
               <a:t> </a:t>
             </a:r>
             <a:r>
-              <a:rPr lang="pt-BR" sz="2400">
+              <a:rPr lang="pt-BR" sz="2400" dirty="0">
                 <a:latin typeface="Arial"/>
                 <a:cs typeface="Arial"/>
               </a:rPr>
               <a:t>se chama </a:t>
             </a:r>
             <a:r>
-              <a:rPr lang="pt-BR" sz="2400" err="1">
+              <a:rPr lang="pt-BR" sz="2400" dirty="0" err="1">
                 <a:latin typeface="Arial"/>
                 <a:cs typeface="Arial"/>
               </a:rPr>
               <a:t>Drebec</a:t>
             </a:r>
             <a:r>
-              <a:rPr lang="pt-BR" sz="2400">
+              <a:rPr lang="pt-BR" sz="2400" dirty="0">
                 <a:latin typeface="Arial"/>
                 <a:cs typeface="Arial"/>
               </a:rPr>
@@ -3228,20 +3283,16 @@
             </a:endParaRPr>
           </a:p>
           <a:p>
-            <a:pPr marL="647065" marR="0" lvl="1" indent="-323850" algn="l" defTabSz="914400" rtl="0" fontAlgn="auto" hangingPunct="1">
+            <a:pPr marL="647065" lvl="1" indent="-323850">
               <a:lnSpc>
                 <a:spcPts val="4200"/>
               </a:lnSpc>
               <a:spcBef>
                 <a:spcPts val="0"/>
               </a:spcBef>
-              <a:spcAft>
-                <a:spcPts val="0"/>
-              </a:spcAft>
               <a:buSzPct val="100000"/>
               <a:buFont typeface="Arial"/>
               <a:buChar char="•"/>
-              <a:tabLst/>
               <a:defRPr sz="1800" b="0" i="0" u="none" strike="noStrike" kern="0" cap="none" spc="0" baseline="0">
                 <a:solidFill>
                   <a:srgbClr val="000000"/>
@@ -3250,49 +3301,56 @@
               </a:defRPr>
             </a:pPr>
             <a:r>
-              <a:rPr lang="en-US" sz="2400" b="0" i="0" u="none" strike="noStrike" kern="1200" cap="none" spc="0" baseline="0">
+              <a:rPr lang="en-US" sz="2400" b="0" i="0" u="none" strike="noStrike" kern="1200" cap="none" spc="0" baseline="0" dirty="0">
                 <a:uFillTx/>
-                <a:latin typeface="Arial" panose="020B0604020202020204" pitchFamily="34" charset="0"/>
-                <a:cs typeface="Arial" panose="020B0604020202020204" pitchFamily="34" charset="0"/>
+                <a:latin typeface="Arial"/>
+                <a:cs typeface="Arial"/>
               </a:rPr>
               <a:t>O </a:t>
             </a:r>
             <a:r>
-              <a:rPr lang="en-US" sz="2400" b="0" i="0" u="none" strike="noStrike" kern="1200" cap="none" spc="0" baseline="0" err="1">
+              <a:rPr lang="en-US" sz="2400" b="0" i="0" u="none" strike="noStrike" kern="1200" cap="none" spc="0" baseline="0" dirty="0" err="1">
                 <a:uFillTx/>
-                <a:latin typeface="Arial" panose="020B0604020202020204" pitchFamily="34" charset="0"/>
-                <a:cs typeface="Arial" panose="020B0604020202020204" pitchFamily="34" charset="0"/>
+                <a:latin typeface="Arial"/>
+                <a:cs typeface="Arial"/>
               </a:rPr>
               <a:t>objetivo</a:t>
             </a:r>
             <a:r>
-              <a:rPr lang="en-US" sz="2400" b="0" i="0" u="none" strike="noStrike" kern="1200" cap="none" spc="0" baseline="0">
+              <a:rPr lang="en-US" sz="2400" dirty="0">
+                <a:latin typeface="Arial"/>
+                <a:cs typeface="Arial"/>
+              </a:rPr>
+              <a:t> </a:t>
+            </a:r>
+            <a:r>
+              <a:rPr lang="en-US" sz="2400" b="0" i="0" u="none" strike="noStrike" kern="1200" cap="none" spc="0" baseline="0" dirty="0">
                 <a:uFillTx/>
-                <a:latin typeface="Arial" panose="020B0604020202020204" pitchFamily="34" charset="0"/>
-                <a:cs typeface="Arial" panose="020B0604020202020204" pitchFamily="34" charset="0"/>
+                <a:latin typeface="Arial"/>
+                <a:cs typeface="Arial"/>
               </a:rPr>
-              <a:t>  </a:t>
-            </a:r>
-            <a:r>
-              <a:rPr lang="pt-BR" sz="2400" b="0" i="0">
+              <a:t> </a:t>
+            </a:r>
+            <a:r>
+              <a:rPr lang="pt-BR" sz="2400" b="0" i="0" dirty="0">
                 <a:effectLst/>
-                <a:latin typeface="Arial" panose="020B0604020202020204" pitchFamily="34" charset="0"/>
-                <a:cs typeface="Arial" panose="020B0604020202020204" pitchFamily="34" charset="0"/>
+                <a:latin typeface="Arial"/>
+                <a:cs typeface="Arial"/>
               </a:rPr>
-              <a:t>do sistema é fornecer ao usuário, de maneira simples, o meio de obtenção de energia limpa mais indicada, baseada em geolocalização</a:t>
-            </a:r>
-            <a:r>
-              <a:rPr lang="en-US" sz="2400">
+              <a:t>do sistema é fornecer ao usuário, de maneira simples, o meio de obtenção de energia limpa</a:t>
+            </a:r>
+            <a:r>
+              <a:rPr lang="en-US" sz="2400" dirty="0">
                 <a:effectLst/>
-                <a:latin typeface="Arial" panose="020B0604020202020204" pitchFamily="34" charset="0"/>
-                <a:cs typeface="Arial" panose="020B0604020202020204" pitchFamily="34" charset="0"/>
+                <a:latin typeface="Arial"/>
+                <a:cs typeface="Arial"/>
               </a:rPr>
               <a:t>.</a:t>
             </a:r>
-            <a:endParaRPr lang="en-US" sz="2400" b="0" i="0" u="none" strike="noStrike" kern="1200" cap="none" spc="0" baseline="0">
+            <a:endParaRPr lang="en-US" sz="2400" b="0" i="0" u="none" strike="noStrike" kern="1200" cap="none" spc="0" baseline="0" dirty="0">
               <a:uFillTx/>
-              <a:latin typeface="Arial" panose="020B0604020202020204" pitchFamily="34" charset="0"/>
-              <a:cs typeface="Arial" panose="020B0604020202020204" pitchFamily="34" charset="0"/>
+              <a:latin typeface="Arial"/>
+              <a:cs typeface="Arial"/>
             </a:endParaRPr>
           </a:p>
           <a:p>
@@ -3997,26 +4055,30 @@
           <a:lstStyle/>
           <a:p>
             <a:r>
-              <a:rPr lang="pt-BR">
+              <a:rPr lang="pt-BR" dirty="0">
                 <a:cs typeface="Calibri"/>
               </a:rPr>
-              <a:t>.Incentivar o uso de energia renovável</a:t>
-            </a:r>
-          </a:p>
-          <a:p>
-            <a:r>
-              <a:rPr lang="pt-BR">
+              <a:t>.Incentivar o uso de energia renovável;</a:t>
+            </a:r>
+          </a:p>
+          <a:p>
+            <a:r>
+              <a:rPr lang="pt-BR" dirty="0">
                 <a:cs typeface="Calibri"/>
               </a:rPr>
-              <a:t>.Direcionar o tipo de sistema</a:t>
-            </a:r>
-          </a:p>
-          <a:p>
-            <a:r>
-              <a:rPr lang="pt-BR">
+              <a:t>.Direcionar o tipo de sistema;</a:t>
+            </a:r>
+            <a:endParaRPr lang="pt-BR" dirty="0">
+              <a:ea typeface="Calibri"/>
+              <a:cs typeface="Calibri"/>
+            </a:endParaRPr>
+          </a:p>
+          <a:p>
+            <a:r>
+              <a:rPr lang="pt-BR" dirty="0">
                 <a:cs typeface="Calibri"/>
               </a:rPr>
-              <a:t>.Indicar empresas parceiras</a:t>
+              <a:t>.Indicar empresas parceiras.</a:t>
             </a:r>
           </a:p>
         </p:txBody>
@@ -4103,7 +4165,7 @@
           <a:lstStyle/>
           <a:p>
             <a:r>
-              <a:rPr lang="pt-BR">
+              <a:rPr lang="pt-BR" dirty="0">
                 <a:cs typeface="Calibri"/>
               </a:rPr>
               <a:t>. Desenvolver mais ferramentas para o usuário tais como:</a:t>
@@ -4111,19 +4173,27 @@
           </a:p>
           <a:p>
             <a:r>
-              <a:rPr lang="pt-BR">
+              <a:rPr lang="pt-BR" dirty="0">
                 <a:cs typeface="Calibri"/>
               </a:rPr>
-              <a:t>. Utilizar somente o cep</a:t>
-            </a:r>
-          </a:p>
-          <a:p>
-            <a:r>
-              <a:rPr lang="pt-BR">
+              <a:t>. Utilizar somente o cep;</a:t>
+            </a:r>
+            <a:endParaRPr lang="pt-BR" dirty="0">
+              <a:ea typeface="Calibri"/>
+              <a:cs typeface="Calibri"/>
+            </a:endParaRPr>
+          </a:p>
+          <a:p>
+            <a:r>
+              <a:rPr lang="pt-BR" dirty="0">
                 <a:cs typeface="Calibri"/>
               </a:rPr>
-              <a:t>. Salvar informações de consultas passadas do usuário</a:t>
-            </a:r>
+              <a:t>. Salvar informações de consultas passadas do usuário.</a:t>
+            </a:r>
+            <a:endParaRPr lang="pt-BR" dirty="0">
+              <a:ea typeface="Calibri"/>
+              <a:cs typeface="Calibri"/>
+            </a:endParaRPr>
           </a:p>
         </p:txBody>
       </p:sp>
@@ -4970,6 +5040,15 @@
 </file>
 
 <file path=customXml/item1.xml><?xml version="1.0" encoding="utf-8"?>
+<?mso-contentType ?>
+<FormTemplates xmlns="http://schemas.microsoft.com/sharepoint/v3/contenttype/forms">
+  <Display>DocumentLibraryForm</Display>
+  <Edit>DocumentLibraryForm</Edit>
+  <New>DocumentLibraryForm</New>
+</FormTemplates>
+</file>
+
+<file path=customXml/item2.xml><?xml version="1.0" encoding="utf-8"?>
 <ct:contentTypeSchema xmlns:ct="http://schemas.microsoft.com/office/2006/metadata/contentType" xmlns:ma="http://schemas.microsoft.com/office/2006/metadata/properties/metaAttributes" ct:_="" ma:_="" ma:contentTypeName="Documento" ma:contentTypeID="0x010100E2E9E4A1EA591E4A8D90E509CC286846" ma:contentTypeVersion="12" ma:contentTypeDescription="Crie um novo documento." ma:contentTypeScope="" ma:versionID="59e9c0c08e6cdd7bb43ecb625e7bde95">
   <xsd:schema xmlns:xsd="http://www.w3.org/2001/XMLSchema" xmlns:xs="http://www.w3.org/2001/XMLSchema" xmlns:p="http://schemas.microsoft.com/office/2006/metadata/properties" xmlns:ns2="eba73d8d-8753-4292-97ef-f516420938e6" xmlns:ns3="83a41cd9-ea7d-4576-b899-8791cfedb4ea" targetNamespace="http://schemas.microsoft.com/office/2006/metadata/properties" ma:root="true" ma:fieldsID="dba6d092fbf03fd7dcd317bf6f8b5195" ns2:_="" ns3:_="">
     <xsd:import namespace="eba73d8d-8753-4292-97ef-f516420938e6"/>
@@ -5170,15 +5249,6 @@
 </ct:contentTypeSchema>
 </file>
 
-<file path=customXml/item2.xml><?xml version="1.0" encoding="utf-8"?>
-<?mso-contentType ?>
-<FormTemplates xmlns="http://schemas.microsoft.com/sharepoint/v3/contenttype/forms">
-  <Display>DocumentLibraryForm</Display>
-  <Edit>DocumentLibraryForm</Edit>
-  <New>DocumentLibraryForm</New>
-</FormTemplates>
-</file>
-
 <file path=customXml/item3.xml><?xml version="1.0" encoding="utf-8"?>
 <p:properties xmlns:p="http://schemas.microsoft.com/office/2006/metadata/properties" xmlns:xsi="http://www.w3.org/2001/XMLSchema-instance" xmlns:pc="http://schemas.microsoft.com/office/infopath/2007/PartnerControls">
   <documentManagement>
@@ -5191,6 +5261,14 @@
 </file>
 
 <file path=customXml/itemProps1.xml><?xml version="1.0" encoding="utf-8"?>
+<ds:datastoreItem xmlns:ds="http://schemas.openxmlformats.org/officeDocument/2006/customXml" ds:itemID="{0E736009-D7B6-4EB1-BD39-DF5AED45BDF8}">
+  <ds:schemaRefs>
+    <ds:schemaRef ds:uri="http://schemas.microsoft.com/sharepoint/v3/contenttype/forms"/>
+  </ds:schemaRefs>
+</ds:datastoreItem>
+</file>
+
+<file path=customXml/itemProps2.xml><?xml version="1.0" encoding="utf-8"?>
 <ds:datastoreItem xmlns:ds="http://schemas.openxmlformats.org/officeDocument/2006/customXml" ds:itemID="{5D4C1E5A-A4EB-41B8-8341-32E4B527CC95}">
   <ds:schemaRefs>
     <ds:schemaRef ds:uri="83a41cd9-ea7d-4576-b899-8791cfedb4ea"/>
@@ -5205,14 +5283,6 @@
     <ds:schemaRef ds:uri="http://schemas.microsoft.com/office/infopath/2007/PartnerControls"/>
     <ds:schemaRef ds:uri="http://schemas.openxmlformats.org/package/2006/metadata/core-properties"/>
     <ds:schemaRef ds:uri="http://www.w3.org/2001/XMLSchema"/>
-  </ds:schemaRefs>
-</ds:datastoreItem>
-</file>
-
-<file path=customXml/itemProps2.xml><?xml version="1.0" encoding="utf-8"?>
-<ds:datastoreItem xmlns:ds="http://schemas.openxmlformats.org/officeDocument/2006/customXml" ds:itemID="{0E736009-D7B6-4EB1-BD39-DF5AED45BDF8}">
-  <ds:schemaRefs>
-    <ds:schemaRef ds:uri="http://schemas.microsoft.com/sharepoint/v3/contenttype/forms"/>
   </ds:schemaRefs>
 </ds:datastoreItem>
 </file>
